--- a/Management/Presentations/Initial presentation.pptx
+++ b/Management/Presentations/Initial presentation.pptx
@@ -114,6 +114,22 @@
       </a:defRPr>
     </a:lvl9pPr>
   </p:defaultTextStyle>
+  <p:extLst>
+    <p:ext uri="{EFAFB233-063F-42B5-8137-9DF3F51BA10A}">
+      <p15:sldGuideLst xmlns:p15="http://schemas.microsoft.com/office/powerpoint/2012/main">
+        <p15:guide id="1" orient="horz" pos="2160">
+          <p15:clr>
+            <a:srgbClr val="A4A3A4"/>
+          </p15:clr>
+        </p15:guide>
+        <p15:guide id="2" pos="3840">
+          <p15:clr>
+            <a:srgbClr val="A4A3A4"/>
+          </p15:clr>
+        </p15:guide>
+      </p15:sldGuideLst>
+    </p:ext>
+  </p:extLst>
 </p:presentation>
 </file>
 
@@ -1239,7 +1255,7 @@
     </p:spTree>
     <p:extLst>
       <p:ext uri="{BB962C8B-B14F-4D97-AF65-F5344CB8AC3E}">
-        <p14:creationId xmlns="" xmlns:p14="http://schemas.microsoft.com/office/powerpoint/2010/main" val="1235618837"/>
+        <p14:creationId xmlns:p14="http://schemas.microsoft.com/office/powerpoint/2010/main" val="1235618837"/>
       </p:ext>
     </p:extLst>
   </p:cSld>
@@ -1417,7 +1433,7 @@
     </p:spTree>
     <p:extLst>
       <p:ext uri="{BB962C8B-B14F-4D97-AF65-F5344CB8AC3E}">
-        <p14:creationId xmlns="" xmlns:p14="http://schemas.microsoft.com/office/powerpoint/2010/main" val="943447052"/>
+        <p14:creationId xmlns:p14="http://schemas.microsoft.com/office/powerpoint/2010/main" val="943447052"/>
       </p:ext>
     </p:extLst>
   </p:cSld>
@@ -1754,7 +1770,7 @@
     </p:spTree>
     <p:extLst>
       <p:ext uri="{BB962C8B-B14F-4D97-AF65-F5344CB8AC3E}">
-        <p14:creationId xmlns="" xmlns:p14="http://schemas.microsoft.com/office/powerpoint/2010/main" val="1786288356"/>
+        <p14:creationId xmlns:p14="http://schemas.microsoft.com/office/powerpoint/2010/main" val="1786288356"/>
       </p:ext>
     </p:extLst>
   </p:cSld>
@@ -1931,7 +1947,7 @@
     </p:spTree>
     <p:extLst>
       <p:ext uri="{BB962C8B-B14F-4D97-AF65-F5344CB8AC3E}">
-        <p14:creationId xmlns="" xmlns:p14="http://schemas.microsoft.com/office/powerpoint/2010/main" val="2736129848"/>
+        <p14:creationId xmlns:p14="http://schemas.microsoft.com/office/powerpoint/2010/main" val="2736129848"/>
       </p:ext>
     </p:extLst>
   </p:cSld>
@@ -2261,7 +2277,7 @@
     </p:spTree>
     <p:extLst>
       <p:ext uri="{BB962C8B-B14F-4D97-AF65-F5344CB8AC3E}">
-        <p14:creationId xmlns="" xmlns:p14="http://schemas.microsoft.com/office/powerpoint/2010/main" val="4085922910"/>
+        <p14:creationId xmlns:p14="http://schemas.microsoft.com/office/powerpoint/2010/main" val="4085922910"/>
       </p:ext>
     </p:extLst>
   </p:cSld>
@@ -2481,7 +2497,7 @@
     </p:spTree>
     <p:extLst>
       <p:ext uri="{BB962C8B-B14F-4D97-AF65-F5344CB8AC3E}">
-        <p14:creationId xmlns="" xmlns:p14="http://schemas.microsoft.com/office/powerpoint/2010/main" val="117116713"/>
+        <p14:creationId xmlns:p14="http://schemas.microsoft.com/office/powerpoint/2010/main" val="117116713"/>
       </p:ext>
     </p:extLst>
   </p:cSld>
@@ -2687,7 +2703,7 @@
     </p:spTree>
     <p:extLst>
       <p:ext uri="{BB962C8B-B14F-4D97-AF65-F5344CB8AC3E}">
-        <p14:creationId xmlns="" xmlns:p14="http://schemas.microsoft.com/office/powerpoint/2010/main" val="1462640869"/>
+        <p14:creationId xmlns:p14="http://schemas.microsoft.com/office/powerpoint/2010/main" val="1462640869"/>
       </p:ext>
     </p:extLst>
   </p:cSld>
@@ -2903,7 +2919,7 @@
     </p:spTree>
     <p:extLst>
       <p:ext uri="{BB962C8B-B14F-4D97-AF65-F5344CB8AC3E}">
-        <p14:creationId xmlns="" xmlns:p14="http://schemas.microsoft.com/office/powerpoint/2010/main" val="3640323461"/>
+        <p14:creationId xmlns:p14="http://schemas.microsoft.com/office/powerpoint/2010/main" val="3640323461"/>
       </p:ext>
     </p:extLst>
   </p:cSld>
@@ -3109,7 +3125,7 @@
     </p:spTree>
     <p:extLst>
       <p:ext uri="{BB962C8B-B14F-4D97-AF65-F5344CB8AC3E}">
-        <p14:creationId xmlns="" xmlns:p14="http://schemas.microsoft.com/office/powerpoint/2010/main" val="622229965"/>
+        <p14:creationId xmlns:p14="http://schemas.microsoft.com/office/powerpoint/2010/main" val="622229965"/>
       </p:ext>
     </p:extLst>
   </p:cSld>
@@ -3291,7 +3307,7 @@
     </p:spTree>
     <p:extLst>
       <p:ext uri="{BB962C8B-B14F-4D97-AF65-F5344CB8AC3E}">
-        <p14:creationId xmlns="" xmlns:p14="http://schemas.microsoft.com/office/powerpoint/2010/main" val="3846594799"/>
+        <p14:creationId xmlns:p14="http://schemas.microsoft.com/office/powerpoint/2010/main" val="3846594799"/>
       </p:ext>
     </p:extLst>
   </p:cSld>
@@ -3574,7 +3590,7 @@
     </p:spTree>
     <p:extLst>
       <p:ext uri="{BB962C8B-B14F-4D97-AF65-F5344CB8AC3E}">
-        <p14:creationId xmlns="" xmlns:p14="http://schemas.microsoft.com/office/powerpoint/2010/main" val="4204623910"/>
+        <p14:creationId xmlns:p14="http://schemas.microsoft.com/office/powerpoint/2010/main" val="4204623910"/>
       </p:ext>
     </p:extLst>
   </p:cSld>
@@ -3927,7 +3943,7 @@
     </p:spTree>
     <p:extLst>
       <p:ext uri="{BB962C8B-B14F-4D97-AF65-F5344CB8AC3E}">
-        <p14:creationId xmlns="" xmlns:p14="http://schemas.microsoft.com/office/powerpoint/2010/main" val="269941327"/>
+        <p14:creationId xmlns:p14="http://schemas.microsoft.com/office/powerpoint/2010/main" val="269941327"/>
       </p:ext>
     </p:extLst>
   </p:cSld>
@@ -4066,7 +4082,7 @@
     </p:spTree>
     <p:extLst>
       <p:ext uri="{BB962C8B-B14F-4D97-AF65-F5344CB8AC3E}">
-        <p14:creationId xmlns="" xmlns:p14="http://schemas.microsoft.com/office/powerpoint/2010/main" val="2937936127"/>
+        <p14:creationId xmlns:p14="http://schemas.microsoft.com/office/powerpoint/2010/main" val="2937936127"/>
       </p:ext>
     </p:extLst>
   </p:cSld>
@@ -4178,7 +4194,7 @@
     </p:spTree>
     <p:extLst>
       <p:ext uri="{BB962C8B-B14F-4D97-AF65-F5344CB8AC3E}">
-        <p14:creationId xmlns="" xmlns:p14="http://schemas.microsoft.com/office/powerpoint/2010/main" val="1108325104"/>
+        <p14:creationId xmlns:p14="http://schemas.microsoft.com/office/powerpoint/2010/main" val="1108325104"/>
       </p:ext>
     </p:extLst>
   </p:cSld>
@@ -4427,7 +4443,7 @@
     </p:spTree>
     <p:extLst>
       <p:ext uri="{BB962C8B-B14F-4D97-AF65-F5344CB8AC3E}">
-        <p14:creationId xmlns="" xmlns:p14="http://schemas.microsoft.com/office/powerpoint/2010/main" val="2668944335"/>
+        <p14:creationId xmlns:p14="http://schemas.microsoft.com/office/powerpoint/2010/main" val="2668944335"/>
       </p:ext>
     </p:extLst>
   </p:cSld>
@@ -4637,7 +4653,7 @@
     </p:spTree>
     <p:extLst>
       <p:ext uri="{BB962C8B-B14F-4D97-AF65-F5344CB8AC3E}">
-        <p14:creationId xmlns="" xmlns:p14="http://schemas.microsoft.com/office/powerpoint/2010/main" val="3038730229"/>
+        <p14:creationId xmlns:p14="http://schemas.microsoft.com/office/powerpoint/2010/main" val="3038730229"/>
       </p:ext>
     </p:extLst>
   </p:cSld>
@@ -6388,13 +6404,8 @@
           <a:p>
             <a:r>
               <a:rPr lang="en-GB" dirty="0"/>
-              <a:t>From here we will </a:t>
-            </a:r>
-            <a:r>
-              <a:rPr lang="en-GB" dirty="0" smtClean="0"/>
-              <a:t>continue to prototype physics based mechanics and decide which one will give the player the best experience </a:t>
-            </a:r>
-            <a:endParaRPr lang="en-GB" dirty="0"/>
+              <a:t>From here we will continue to prototype physics based mechanics and decide which one will give the player the best experience </a:t>
+            </a:r>
           </a:p>
           <a:p>
             <a:endParaRPr lang="en-GB" dirty="0"/>
@@ -6404,7 +6415,7 @@
     </p:spTree>
     <p:extLst>
       <p:ext uri="{BB962C8B-B14F-4D97-AF65-F5344CB8AC3E}">
-        <p14:creationId xmlns="" xmlns:p14="http://schemas.microsoft.com/office/powerpoint/2010/main" val="1000562122"/>
+        <p14:creationId xmlns:p14="http://schemas.microsoft.com/office/powerpoint/2010/main" val="1000562122"/>
       </p:ext>
     </p:extLst>
   </p:cSld>
@@ -6462,7 +6473,7 @@
     </p:spTree>
     <p:extLst>
       <p:ext uri="{BB962C8B-B14F-4D97-AF65-F5344CB8AC3E}">
-        <p14:creationId xmlns="" xmlns:p14="http://schemas.microsoft.com/office/powerpoint/2010/main" val="3873436708"/>
+        <p14:creationId xmlns:p14="http://schemas.microsoft.com/office/powerpoint/2010/main" val="3873436708"/>
       </p:ext>
     </p:extLst>
   </p:cSld>
@@ -6528,52 +6539,26 @@
           <a:p>
             <a:r>
               <a:rPr lang="en-GB" dirty="0"/>
-              <a:t>Each group member had researched </a:t>
-            </a:r>
-            <a:r>
-              <a:rPr lang="en-GB" dirty="0" smtClean="0"/>
-              <a:t>physics-based games.</a:t>
-            </a:r>
+              <a:t>Each group member had researched physics-based games.</a:t>
+            </a:r>
+          </a:p>
+          <a:p>
             <a:endParaRPr lang="en-GB" dirty="0"/>
           </a:p>
           <a:p>
+            <a:r>
+              <a:rPr lang="en-GB" dirty="0"/>
+              <a:t>Group members then came forward with ideas for games, each with a different physics based core mechanic.</a:t>
+            </a:r>
+          </a:p>
+          <a:p>
             <a:endParaRPr lang="en-GB" dirty="0"/>
           </a:p>
           <a:p>
             <a:r>
               <a:rPr lang="en-GB" dirty="0"/>
-              <a:t>Group members then came forward with </a:t>
-            </a:r>
-            <a:r>
-              <a:rPr lang="en-GB" dirty="0" smtClean="0"/>
-              <a:t>ideas </a:t>
-            </a:r>
-            <a:r>
-              <a:rPr lang="en-GB" dirty="0"/>
-              <a:t>for </a:t>
-            </a:r>
-            <a:r>
-              <a:rPr lang="en-GB" dirty="0" smtClean="0"/>
-              <a:t>games, </a:t>
-            </a:r>
-            <a:r>
-              <a:rPr lang="en-GB" dirty="0"/>
-              <a:t>each with a different physics based core </a:t>
-            </a:r>
-            <a:r>
-              <a:rPr lang="en-GB" dirty="0" smtClean="0"/>
-              <a:t>mechanic.</a:t>
-            </a:r>
-          </a:p>
-          <a:p>
-            <a:endParaRPr lang="en-GB" dirty="0" smtClean="0"/>
-          </a:p>
-          <a:p>
-            <a:r>
-              <a:rPr lang="en-GB" dirty="0" smtClean="0"/>
               <a:t>We have taken two of these ideas into a concept stage to be prototyped</a:t>
             </a:r>
-            <a:endParaRPr lang="en-GB" dirty="0"/>
           </a:p>
         </p:txBody>
       </p:sp>
@@ -6618,10 +6603,9 @@
           <a:lstStyle/>
           <a:p>
             <a:r>
-              <a:rPr lang="en-GB" dirty="0" smtClean="0"/>
+              <a:rPr lang="en-GB" dirty="0"/>
               <a:t>Games researched</a:t>
             </a:r>
-            <a:endParaRPr lang="en-GB" dirty="0"/>
           </a:p>
         </p:txBody>
       </p:sp>
@@ -6641,39 +6625,39 @@
           <a:lstStyle/>
           <a:p>
             <a:r>
-              <a:rPr lang="en-GB" dirty="0" smtClean="0"/>
+              <a:rPr lang="en-GB" dirty="0"/>
               <a:t>Rocket league</a:t>
             </a:r>
           </a:p>
           <a:p>
-            <a:endParaRPr lang="en-GB" dirty="0" smtClean="0"/>
-          </a:p>
-          <a:p>
-            <a:r>
-              <a:rPr lang="en-GB" dirty="0" smtClean="0"/>
+            <a:endParaRPr lang="en-GB" dirty="0"/>
+          </a:p>
+          <a:p>
+            <a:r>
+              <a:rPr lang="en-GB" dirty="0"/>
               <a:t>OLO</a:t>
             </a:r>
           </a:p>
           <a:p>
-            <a:endParaRPr lang="en-GB" dirty="0" smtClean="0"/>
-          </a:p>
-          <a:p>
-            <a:r>
-              <a:rPr lang="en-GB" dirty="0" smtClean="0"/>
+            <a:endParaRPr lang="en-GB" dirty="0"/>
+          </a:p>
+          <a:p>
+            <a:r>
+              <a:rPr lang="en-GB" dirty="0"/>
               <a:t>Angry Birds</a:t>
             </a:r>
           </a:p>
           <a:p>
-            <a:endParaRPr lang="en-GB" dirty="0" smtClean="0"/>
-          </a:p>
-          <a:p>
-            <a:r>
-              <a:rPr lang="en-GB" dirty="0" smtClean="0"/>
+            <a:endParaRPr lang="en-GB" dirty="0"/>
+          </a:p>
+          <a:p>
+            <a:r>
+              <a:rPr lang="en-GB" dirty="0"/>
               <a:t>Cut the rope</a:t>
             </a:r>
           </a:p>
           <a:p>
-            <a:endParaRPr lang="en-GB" dirty="0" smtClean="0"/>
+            <a:endParaRPr lang="en-GB" dirty="0"/>
           </a:p>
           <a:p>
             <a:endParaRPr lang="en-GB" dirty="0"/>
@@ -6721,10 +6705,9 @@
           <a:lstStyle/>
           <a:p>
             <a:r>
-              <a:rPr lang="en-GB" dirty="0" smtClean="0"/>
+              <a:rPr lang="en-GB" dirty="0"/>
               <a:t>Prototype 1: Friction</a:t>
             </a:r>
-            <a:endParaRPr lang="en-GB" dirty="0"/>
           </a:p>
         </p:txBody>
       </p:sp>
@@ -6744,44 +6727,43 @@
           <a:lstStyle/>
           <a:p>
             <a:r>
-              <a:rPr lang="en-GB" dirty="0" smtClean="0"/>
+              <a:rPr lang="en-GB" dirty="0"/>
               <a:t>Twitch mechanic</a:t>
             </a:r>
           </a:p>
           <a:p>
-            <a:endParaRPr lang="en-GB" dirty="0" smtClean="0"/>
-          </a:p>
-          <a:p>
-            <a:r>
-              <a:rPr lang="en-GB" dirty="0" smtClean="0"/>
+            <a:endParaRPr lang="en-GB" dirty="0"/>
+          </a:p>
+          <a:p>
+            <a:r>
+              <a:rPr lang="en-GB" dirty="0"/>
               <a:t>Players must move their piece across a pathway with varying resistances</a:t>
             </a:r>
           </a:p>
           <a:p>
-            <a:endParaRPr lang="en-GB" dirty="0" smtClean="0"/>
-          </a:p>
-          <a:p>
-            <a:r>
-              <a:rPr lang="en-GB" dirty="0" smtClean="0"/>
+            <a:endParaRPr lang="en-GB" dirty="0"/>
+          </a:p>
+          <a:p>
+            <a:r>
+              <a:rPr lang="en-GB" dirty="0"/>
               <a:t>The resistance is overcome by rapid tapping on the screen</a:t>
             </a:r>
           </a:p>
           <a:p>
-            <a:endParaRPr lang="en-GB" dirty="0" smtClean="0"/>
-          </a:p>
-          <a:p>
-            <a:r>
-              <a:rPr lang="en-GB" dirty="0" smtClean="0"/>
+            <a:endParaRPr lang="en-GB" dirty="0"/>
+          </a:p>
+          <a:p>
+            <a:r>
+              <a:rPr lang="en-GB" dirty="0"/>
               <a:t>First player to reach the end is the winner</a:t>
             </a:r>
-            <a:endParaRPr lang="en-GB" dirty="0"/>
           </a:p>
         </p:txBody>
       </p:sp>
     </p:spTree>
     <p:extLst>
       <p:ext uri="{BB962C8B-B14F-4D97-AF65-F5344CB8AC3E}">
-        <p14:creationId xmlns="" xmlns:p14="http://schemas.microsoft.com/office/powerpoint/2010/main" val="3053552553"/>
+        <p14:creationId xmlns:p14="http://schemas.microsoft.com/office/powerpoint/2010/main" val="3053552553"/>
       </p:ext>
     </p:extLst>
   </p:cSld>
@@ -6846,7 +6828,7 @@
           <a:lstStyle/>
           <a:p>
             <a:r>
-              <a:rPr lang="en-GB" dirty="0" smtClean="0"/>
+              <a:rPr lang="en-GB" dirty="0"/>
               <a:t>Young males 16-21</a:t>
             </a:r>
           </a:p>
@@ -6858,7 +6840,7 @@
     </p:spTree>
     <p:extLst>
       <p:ext uri="{BB962C8B-B14F-4D97-AF65-F5344CB8AC3E}">
-        <p14:creationId xmlns="" xmlns:p14="http://schemas.microsoft.com/office/powerpoint/2010/main" val="10174383"/>
+        <p14:creationId xmlns:p14="http://schemas.microsoft.com/office/powerpoint/2010/main" val="10174383"/>
       </p:ext>
     </p:extLst>
   </p:cSld>
@@ -6922,6 +6904,18 @@
           <a:bodyPr/>
           <a:lstStyle/>
           <a:p>
+            <a:r>
+              <a:rPr lang="en-GB" dirty="0"/>
+              <a:t>Different material textures that clearly show what type of material the player has to move over</a:t>
+            </a:r>
+          </a:p>
+          <a:p>
+            <a:r>
+              <a:rPr lang="en-GB" dirty="0"/>
+              <a:t>Minimal UI to stop the player from becoming distracted (e.g. numbers, bars/ gauges.)</a:t>
+            </a:r>
+          </a:p>
+          <a:p>
             <a:endParaRPr lang="en-GB" dirty="0"/>
           </a:p>
         </p:txBody>
@@ -6929,7 +6923,7 @@
     </p:spTree>
     <p:extLst>
       <p:ext uri="{BB962C8B-B14F-4D97-AF65-F5344CB8AC3E}">
-        <p14:creationId xmlns="" xmlns:p14="http://schemas.microsoft.com/office/powerpoint/2010/main" val="3096015887"/>
+        <p14:creationId xmlns:p14="http://schemas.microsoft.com/office/powerpoint/2010/main" val="3096015887"/>
       </p:ext>
     </p:extLst>
   </p:cSld>
@@ -6972,10 +6966,9 @@
           <a:lstStyle/>
           <a:p>
             <a:r>
-              <a:rPr lang="en-GB" dirty="0" smtClean="0"/>
+              <a:rPr lang="en-GB" dirty="0"/>
               <a:t>Prototype 2: Gravity</a:t>
             </a:r>
-            <a:endParaRPr lang="en-GB" dirty="0"/>
           </a:p>
         </p:txBody>
       </p:sp>
@@ -6995,35 +6988,34 @@
           <a:lstStyle/>
           <a:p>
             <a:r>
-              <a:rPr lang="en-GB" dirty="0" smtClean="0"/>
+              <a:rPr lang="en-GB" dirty="0"/>
               <a:t>Our gravity based game is a tower building game</a:t>
             </a:r>
           </a:p>
           <a:p>
-            <a:endParaRPr lang="en-GB" dirty="0" smtClean="0"/>
-          </a:p>
-          <a:p>
-            <a:r>
-              <a:rPr lang="en-GB" dirty="0" smtClean="0"/>
+            <a:endParaRPr lang="en-GB" dirty="0"/>
+          </a:p>
+          <a:p>
+            <a:r>
+              <a:rPr lang="en-GB" dirty="0"/>
               <a:t>Players must try and balance shapes they are given</a:t>
             </a:r>
           </a:p>
           <a:p>
-            <a:endParaRPr lang="en-GB" dirty="0" smtClean="0"/>
-          </a:p>
-          <a:p>
-            <a:r>
-              <a:rPr lang="en-GB" dirty="0" smtClean="0"/>
+            <a:endParaRPr lang="en-GB" dirty="0"/>
+          </a:p>
+          <a:p>
+            <a:r>
+              <a:rPr lang="en-GB" dirty="0"/>
               <a:t>If one player chooses a shape the other player must also use that shape</a:t>
             </a:r>
-            <a:endParaRPr lang="en-GB" dirty="0"/>
           </a:p>
         </p:txBody>
       </p:sp>
     </p:spTree>
     <p:extLst>
       <p:ext uri="{BB962C8B-B14F-4D97-AF65-F5344CB8AC3E}">
-        <p14:creationId xmlns="" xmlns:p14="http://schemas.microsoft.com/office/powerpoint/2010/main" val="2104855039"/>
+        <p14:creationId xmlns:p14="http://schemas.microsoft.com/office/powerpoint/2010/main" val="2104855039"/>
       </p:ext>
     </p:extLst>
   </p:cSld>
@@ -7066,10 +7058,9 @@
           <a:lstStyle/>
           <a:p>
             <a:r>
-              <a:rPr lang="en-GB" dirty="0" smtClean="0"/>
+              <a:rPr lang="en-GB" dirty="0"/>
               <a:t>Target audience</a:t>
             </a:r>
-            <a:endParaRPr lang="en-GB" dirty="0"/>
           </a:p>
         </p:txBody>
       </p:sp>
@@ -7133,10 +7124,9 @@
           <a:lstStyle/>
           <a:p>
             <a:r>
-              <a:rPr lang="en-GB" dirty="0" smtClean="0"/>
+              <a:rPr lang="en-GB" dirty="0"/>
               <a:t>Art style/ aesthetics of the game</a:t>
             </a:r>
-            <a:endParaRPr lang="en-GB" dirty="0"/>
           </a:p>
         </p:txBody>
       </p:sp>
@@ -7456,7 +7446,7 @@
   <a:extraClrSchemeLst/>
   <a:extLst>
     <a:ext uri="{05A4C25C-085E-4340-85A3-A5531E510DB2}">
-      <thm15:themeFamily xmlns="" xmlns:thm15="http://schemas.microsoft.com/office/thememl/2012/main" name="Office Theme" id="{62F939B6-93AF-4DB8-9C6B-D6C7DFDC589F}" vid="{4A3C46E8-61CC-4603-A589-7422A47A8E4A}"/>
+      <thm15:themeFamily xmlns:thm15="http://schemas.microsoft.com/office/thememl/2012/main" name="Office Theme" id="{62F939B6-93AF-4DB8-9C6B-D6C7DFDC589F}" vid="{4A3C46E8-61CC-4603-A589-7422A47A8E4A}"/>
     </a:ext>
   </a:extLst>
 </a:theme>
